--- a/Java vs dotnet.pptx
+++ b/Java vs dotnet.pptx
@@ -207,7 +207,7 @@
           <a:p>
             <a:fld id="{2ACA606B-7DE1-4282-BAE7-BF3A0D191FAA}" type="datetimeFigureOut">
               <a:rPr lang="en-US" smtClean="0"/>
-              <a:t>1/3/2023</a:t>
+              <a:t>1/4/2023</a:t>
             </a:fld>
             <a:endParaRPr lang="en-US"/>
           </a:p>
@@ -809,7 +809,7 @@
           <a:p>
             <a:fld id="{9E553798-14CE-4550-8813-D86F14865C4E}" type="datetime1">
               <a:rPr lang="en-US" smtClean="0"/>
-              <a:t>1/3/2023</a:t>
+              <a:t>1/4/2023</a:t>
             </a:fld>
             <a:endParaRPr lang="en-US"/>
           </a:p>
@@ -1897,7 +1897,7 @@
           <a:p>
             <a:fld id="{816D797E-A339-42D2-8ED6-30565FFD366F}" type="datetime1">
               <a:rPr lang="en-US" smtClean="0"/>
-              <a:t>1/3/2023</a:t>
+              <a:t>1/4/2023</a:t>
             </a:fld>
             <a:endParaRPr lang="en-US"/>
           </a:p>
@@ -2877,7 +2877,7 @@
           <a:p>
             <a:fld id="{904724C8-F7BF-48B1-BEED-BBB688CECFBC}" type="datetime1">
               <a:rPr lang="en-US" smtClean="0"/>
-              <a:t>1/3/2023</a:t>
+              <a:t>1/4/2023</a:t>
             </a:fld>
             <a:endParaRPr lang="en-US"/>
           </a:p>
@@ -4011,7 +4011,7 @@
           <a:p>
             <a:fld id="{02B3D0DA-2D35-448A-8645-FB73DD99DAB3}" type="datetime1">
               <a:rPr lang="en-US" smtClean="0"/>
-              <a:t>1/3/2023</a:t>
+              <a:t>1/4/2023</a:t>
             </a:fld>
             <a:endParaRPr lang="en-US"/>
           </a:p>
@@ -5044,7 +5044,7 @@
           <a:p>
             <a:fld id="{F3542A9A-6593-45E6-9125-5EA35E466C7C}" type="datetime1">
               <a:rPr lang="en-US" smtClean="0"/>
-              <a:t>1/3/2023</a:t>
+              <a:t>1/4/2023</a:t>
             </a:fld>
             <a:endParaRPr lang="en-US"/>
           </a:p>
@@ -5704,7 +5704,7 @@
           <a:p>
             <a:fld id="{027942AE-5959-455F-A40C-158E52DE76CD}" type="datetime1">
               <a:rPr lang="en-US" smtClean="0"/>
-              <a:t>1/3/2023</a:t>
+              <a:t>1/4/2023</a:t>
             </a:fld>
             <a:endParaRPr lang="en-US"/>
           </a:p>
@@ -6565,7 +6565,7 @@
           <a:p>
             <a:fld id="{9DA71069-F5A2-4F26-947A-5D2E812BE33E}" type="datetime1">
               <a:rPr lang="en-US" smtClean="0"/>
-              <a:t>1/3/2023</a:t>
+              <a:t>1/4/2023</a:t>
             </a:fld>
             <a:endParaRPr lang="en-US"/>
           </a:p>
@@ -6755,7 +6755,7 @@
           <a:p>
             <a:fld id="{CB2685BF-0B22-4210-8C2A-ADF61E7D09BB}" type="datetime1">
               <a:rPr lang="en-US" smtClean="0"/>
-              <a:t>1/3/2023</a:t>
+              <a:t>1/4/2023</a:t>
             </a:fld>
             <a:endParaRPr lang="en-US"/>
           </a:p>
@@ -7727,7 +7727,7 @@
           <a:p>
             <a:fld id="{98B27171-D720-4D37-B7DE-67D5EDFA664C}" type="datetime1">
               <a:rPr lang="en-US" smtClean="0"/>
-              <a:t>1/3/2023</a:t>
+              <a:t>1/4/2023</a:t>
             </a:fld>
             <a:endParaRPr lang="en-US"/>
           </a:p>
@@ -7938,7 +7938,7 @@
           <a:p>
             <a:fld id="{5BAFC56E-2BFD-4605-81C8-E6C849B30B90}" type="datetime1">
               <a:rPr lang="en-US" smtClean="0"/>
-              <a:t>1/3/2023</a:t>
+              <a:t>1/4/2023</a:t>
             </a:fld>
             <a:endParaRPr lang="en-US"/>
           </a:p>
@@ -8972,7 +8972,7 @@
           <a:p>
             <a:fld id="{48B5106C-8E1F-48F4-BF36-4B0B595D1077}" type="datetime1">
               <a:rPr lang="en-US" smtClean="0"/>
-              <a:t>1/3/2023</a:t>
+              <a:t>1/4/2023</a:t>
             </a:fld>
             <a:endParaRPr lang="en-US"/>
           </a:p>
@@ -9244,7 +9244,7 @@
           <a:p>
             <a:fld id="{205DAECD-BF28-4F23-B39C-75BE8BBEF0EE}" type="datetime1">
               <a:rPr lang="en-US" smtClean="0"/>
-              <a:t>1/3/2023</a:t>
+              <a:t>1/4/2023</a:t>
             </a:fld>
             <a:endParaRPr lang="en-US"/>
           </a:p>
@@ -9654,7 +9654,7 @@
           <a:p>
             <a:fld id="{51836610-B0EF-4A11-A972-0780DCB40E15}" type="datetime1">
               <a:rPr lang="en-US" smtClean="0"/>
-              <a:t>1/3/2023</a:t>
+              <a:t>1/4/2023</a:t>
             </a:fld>
             <a:endParaRPr lang="en-US"/>
           </a:p>
@@ -9781,7 +9781,7 @@
           <a:p>
             <a:fld id="{3144454F-5722-4D1D-AA05-43AB19C92C21}" type="datetime1">
               <a:rPr lang="en-US" smtClean="0"/>
-              <a:t>1/3/2023</a:t>
+              <a:t>1/4/2023</a:t>
             </a:fld>
             <a:endParaRPr lang="en-US"/>
           </a:p>
@@ -9876,7 +9876,7 @@
           <a:p>
             <a:fld id="{F7A55104-61F5-4E54-A34A-000F0D5D5098}" type="datetime1">
               <a:rPr lang="en-US" smtClean="0"/>
-              <a:t>1/3/2023</a:t>
+              <a:t>1/4/2023</a:t>
             </a:fld>
             <a:endParaRPr lang="en-US"/>
           </a:p>
@@ -10957,7 +10957,7 @@
           <a:p>
             <a:fld id="{45627224-0FCA-4507-8424-CAD024E6C227}" type="datetime1">
               <a:rPr lang="en-US" smtClean="0"/>
-              <a:t>1/3/2023</a:t>
+              <a:t>1/4/2023</a:t>
             </a:fld>
             <a:endParaRPr lang="en-US"/>
           </a:p>
@@ -12065,7 +12065,7 @@
           <a:p>
             <a:fld id="{E1931B3A-1C5F-40DC-A9CB-4EE6F838E16B}" type="datetime1">
               <a:rPr lang="en-US" smtClean="0"/>
-              <a:t>1/3/2023</a:t>
+              <a:t>1/4/2023</a:t>
             </a:fld>
             <a:endParaRPr lang="en-US"/>
           </a:p>
@@ -13062,7 +13062,7 @@
           <a:p>
             <a:fld id="{49F42FE7-B2E3-4DC4-904A-0F59185BFACE}" type="datetime1">
               <a:rPr lang="en-US" smtClean="0"/>
-              <a:t>1/3/2023</a:t>
+              <a:t>1/4/2023</a:t>
             </a:fld>
             <a:endParaRPr lang="en-US"/>
           </a:p>
@@ -13781,7 +13781,7 @@
         <p:spPr/>
         <p:txBody>
           <a:bodyPr>
-            <a:normAutofit fontScale="92500" lnSpcReduction="10000"/>
+            <a:normAutofit fontScale="92500"/>
           </a:bodyPr>
           <a:lstStyle/>
           <a:p>
@@ -13799,19 +13799,21 @@
           <a:p>
             <a:r>
               <a:rPr lang="en-US" dirty="0"/>
-              <a:t>Java has everything a developer needs to develop an application and gives the developer the freedom to choose which tool to use, however, it can become confusing to choose among a long list of available tools and they are scattered everywhere. No single organization manages the available tools for each requirement.</a:t>
+              <a:t>Java has everything a developer needs to develop an application and gives the developer the freedom to choose which tool to use, however, it can become confusing to choose among a long list of available tools and they are scattered everywhere. No single organization manages the available tools for each </a:t>
             </a:r>
-          </a:p>
-          <a:p>
+            <a:r>
+              <a:rPr lang="en-US"/>
+              <a:t>requirement. </a:t>
+            </a:r>
+          </a:p>
+          <a:p>
+            <a:r>
+              <a:rPr lang="en-US"/>
+              <a:t>Details </a:t>
+            </a:r>
             <a:r>
               <a:rPr lang="en-US" dirty="0"/>
-              <a:t>SPEEEEEEEEEEEDDDDDD</a:t>
-            </a:r>
-          </a:p>
-          <a:p>
-            <a:r>
-              <a:rPr lang="en-US" dirty="0"/>
-              <a:t>Details like syntax differences should not matter to a developer unless they’re convinced that, for example, the lack of a specific feature blocks or causes significant inconvenience in the process of meeting the business requirements.</a:t>
+              <a:t>like syntax differences should not matter to a developer unless they’re convinced that, for example, the lack of a specific feature blocks or causes significant inconvenience in the process of meeting the business requirements.</a:t>
             </a:r>
           </a:p>
         </p:txBody>
@@ -15321,7 +15323,7 @@
             <p:ph idx="1"/>
             <p:extLst>
               <p:ext uri="{D42A27DB-BD31-4B8C-83A1-F6EECF244321}">
-                <p14:modId xmlns:p14="http://schemas.microsoft.com/office/powerpoint/2010/main" val="526808344"/>
+                <p14:modId xmlns:p14="http://schemas.microsoft.com/office/powerpoint/2010/main" val="1857126262"/>
               </p:ext>
             </p:extLst>
           </p:nvPr>
@@ -15470,29 +15472,6 @@
                       </a:pPr>
                       <a:r>
                         <a:rPr lang="en-US" dirty="0"/>
-                        <a:t>JakartaEE implementations can be free</a:t>
-                      </a:r>
-                    </a:p>
-                    <a:p>
-                      <a:pPr marL="285750" marR="0" lvl="0" indent="-285750" algn="l" defTabSz="457200" rtl="0" eaLnBrk="1" fontAlgn="auto" latinLnBrk="0" hangingPunct="1">
-                        <a:lnSpc>
-                          <a:spcPct val="100000"/>
-                        </a:lnSpc>
-                        <a:spcBef>
-                          <a:spcPts val="0"/>
-                        </a:spcBef>
-                        <a:spcAft>
-                          <a:spcPts val="0"/>
-                        </a:spcAft>
-                        <a:buClrTx/>
-                        <a:buSzTx/>
-                        <a:buFont typeface="Arial" panose="020B0604020202020204" pitchFamily="34" charset="0"/>
-                        <a:buChar char="•"/>
-                        <a:tabLst/>
-                        <a:defRPr/>
-                      </a:pPr>
-                      <a:r>
-                        <a:rPr lang="en-US" dirty="0"/>
                         <a:t>JDK 11+ not free for commercial use</a:t>
                       </a:r>
                     </a:p>
@@ -15517,6 +15496,29 @@
                       <a:r>
                         <a:rPr lang="en-US" dirty="0"/>
                         <a:t>OpenJDK all free</a:t>
+                      </a:r>
+                    </a:p>
+                    <a:p>
+                      <a:pPr marL="285750" marR="0" lvl="0" indent="-285750" algn="l" defTabSz="457200" rtl="0" eaLnBrk="1" fontAlgn="auto" latinLnBrk="0" hangingPunct="1">
+                        <a:lnSpc>
+                          <a:spcPct val="100000"/>
+                        </a:lnSpc>
+                        <a:spcBef>
+                          <a:spcPts val="0"/>
+                        </a:spcBef>
+                        <a:spcAft>
+                          <a:spcPts val="0"/>
+                        </a:spcAft>
+                        <a:buClrTx/>
+                        <a:buSzTx/>
+                        <a:buFont typeface="Arial" panose="020B0604020202020204" pitchFamily="34" charset="0"/>
+                        <a:buChar char="•"/>
+                        <a:tabLst/>
+                        <a:defRPr/>
+                      </a:pPr>
+                      <a:r>
+                        <a:rPr lang="en-US" dirty="0"/>
+                        <a:t>JakartaEE implementations can be free</a:t>
                       </a:r>
                     </a:p>
                   </a:txBody>
@@ -16016,14 +16018,14 @@
             <p:ph idx="1"/>
             <p:extLst>
               <p:ext uri="{D42A27DB-BD31-4B8C-83A1-F6EECF244321}">
-                <p14:modId xmlns:p14="http://schemas.microsoft.com/office/powerpoint/2010/main" val="1086175402"/>
+                <p14:modId xmlns:p14="http://schemas.microsoft.com/office/powerpoint/2010/main" val="1448858840"/>
               </p:ext>
             </p:extLst>
           </p:nvPr>
         </p:nvGraphicFramePr>
         <p:xfrm>
           <a:off x="841802" y="2603500"/>
-          <a:ext cx="10515600" cy="3764280"/>
+          <a:ext cx="10515600" cy="3037840"/>
         </p:xfrm>
         <a:graphic>
           <a:graphicData uri="http://schemas.openxmlformats.org/drawingml/2006/table">
@@ -16070,7 +16072,10 @@
                     <a:bodyPr/>
                     <a:lstStyle/>
                     <a:p>
-                      <a:endParaRPr lang="en-US"/>
+                      <a:r>
+                        <a:rPr lang="en-US" dirty="0"/>
+                        <a:t>.NET</a:t>
+                      </a:r>
                     </a:p>
                   </a:txBody>
                   <a:tcPr/>
@@ -16080,7 +16085,10 @@
                     <a:bodyPr/>
                     <a:lstStyle/>
                     <a:p>
-                      <a:endParaRPr lang="en-US"/>
+                      <a:r>
+                        <a:rPr lang="en-US" dirty="0"/>
+                        <a:t>Java</a:t>
+                      </a:r>
                     </a:p>
                   </a:txBody>
                   <a:tcPr/>
@@ -16088,6 +16096,52 @@
                 <a:extLst>
                   <a:ext uri="{0D108BD9-81ED-4DB2-BD59-A6C34878D82A}">
                     <a16:rowId xmlns:a16="http://schemas.microsoft.com/office/drawing/2014/main" val="3203649603"/>
+                  </a:ext>
+                </a:extLst>
+              </a:tr>
+              <a:tr h="370840">
+                <a:tc>
+                  <a:txBody>
+                    <a:bodyPr/>
+                    <a:lstStyle/>
+                    <a:p>
+                      <a:r>
+                        <a:rPr lang="en-US" dirty="0"/>
+                        <a:t>Core library</a:t>
+                      </a:r>
+                    </a:p>
+                  </a:txBody>
+                  <a:tcPr/>
+                </a:tc>
+                <a:tc>
+                  <a:txBody>
+                    <a:bodyPr/>
+                    <a:lstStyle/>
+                    <a:p>
+                      <a:r>
+                        <a:rPr lang="en-US" dirty="0"/>
+                        <a:t>SDK</a:t>
+                      </a:r>
+                    </a:p>
+                  </a:txBody>
+                  <a:tcPr/>
+                </a:tc>
+                <a:tc>
+                  <a:txBody>
+                    <a:bodyPr/>
+                    <a:lstStyle/>
+                    <a:p>
+                      <a:r>
+                        <a:rPr lang="en-US" dirty="0"/>
+                        <a:t>JDK</a:t>
+                      </a:r>
+                    </a:p>
+                  </a:txBody>
+                  <a:tcPr/>
+                </a:tc>
+                <a:extLst>
+                  <a:ext uri="{0D108BD9-81ED-4DB2-BD59-A6C34878D82A}">
+                    <a16:rowId xmlns:a16="http://schemas.microsoft.com/office/drawing/2014/main" val="1084235109"/>
                   </a:ext>
                 </a:extLst>
               </a:tr>
@@ -16197,15 +16251,6 @@
                   <a:txBody>
                     <a:bodyPr/>
                     <a:lstStyle/>
-                    <a:p>
-                      <a:r>
-                        <a:rPr lang="en-US" dirty="0"/>
-                        <a:t>JakartaEE and Spring follow their own process</a:t>
-                      </a:r>
-                    </a:p>
-                    <a:p>
-                      <a:endParaRPr lang="en-US" dirty="0"/>
-                    </a:p>
                     <a:p>
                       <a:r>
                         <a:rPr lang="en-US" dirty="0"/>
@@ -16467,7 +16512,7 @@
                       </a:pPr>
                       <a:r>
                         <a:rPr lang="en-US" dirty="0"/>
-                        <a:t>Classes and Methods both CamelCase</a:t>
+                        <a:t>CamelCase</a:t>
                       </a:r>
                     </a:p>
                   </a:txBody>
@@ -16497,14 +16542,7 @@
                       </a:pPr>
                       <a:r>
                         <a:rPr lang="en-US" dirty="0"/>
-                        <a:t>Classes CamelCase</a:t>
-                      </a:r>
-                      <a:br>
-                        <a:rPr lang="en-US" dirty="0"/>
-                      </a:br>
-                      <a:r>
-                        <a:rPr lang="en-US" dirty="0"/>
-                        <a:t>Methods camelCase</a:t>
+                        <a:t>camelCase</a:t>
                       </a:r>
                     </a:p>
                     <a:p>
@@ -16914,7 +16952,7 @@
         </p:nvSpPr>
         <p:spPr>
           <a:xfrm>
-            <a:off x="791574" y="2426076"/>
+            <a:off x="968553" y="2426076"/>
             <a:ext cx="3548414" cy="1651000"/>
           </a:xfrm>
           <a:prstGeom prst="roundRect">
@@ -17040,7 +17078,7 @@
             <a:pPr algn="ctr"/>
             <a:r>
               <a:rPr lang="en-US" dirty="0"/>
-              <a:t>CLR JIT</a:t>
+              <a:t>CLR</a:t>
             </a:r>
           </a:p>
         </p:txBody>
@@ -17111,9 +17149,9 @@
           <p:nvPr/>
         </p:nvCxnSpPr>
         <p:spPr>
-          <a:xfrm>
-            <a:off x="2565781" y="4077076"/>
-            <a:ext cx="161218" cy="181026"/>
+          <a:xfrm flipH="1">
+            <a:off x="2726999" y="4077076"/>
+            <a:ext cx="15761" cy="181026"/>
           </a:xfrm>
           <a:prstGeom prst="straightConnector1">
             <a:avLst/>
@@ -17745,7 +17783,7 @@
             <a:pPr algn="ctr"/>
             <a:r>
               <a:rPr lang="en-US" dirty="0"/>
-              <a:t>JVM JIT</a:t>
+              <a:t>JVM</a:t>
             </a:r>
           </a:p>
         </p:txBody>

--- a/Java vs dotnet.pptx
+++ b/Java vs dotnet.pptx
@@ -5,7 +5,7 @@
     <p:sldMasterId id="2147483660" r:id="rId1"/>
   </p:sldMasterIdLst>
   <p:notesMasterIdLst>
-    <p:notesMasterId r:id="rId13"/>
+    <p:notesMasterId r:id="rId14"/>
   </p:notesMasterIdLst>
   <p:sldIdLst>
     <p:sldId id="256" r:id="rId2"/>
@@ -18,7 +18,8 @@
     <p:sldId id="264" r:id="rId9"/>
     <p:sldId id="267" r:id="rId10"/>
     <p:sldId id="266" r:id="rId11"/>
-    <p:sldId id="261" r:id="rId12"/>
+    <p:sldId id="268" r:id="rId12"/>
+    <p:sldId id="261" r:id="rId13"/>
   </p:sldIdLst>
   <p:sldSz cx="12192000" cy="6858000"/>
   <p:notesSz cx="6858000" cy="9144000"/>
@@ -207,7 +208,7 @@
           <a:p>
             <a:fld id="{2ACA606B-7DE1-4282-BAE7-BF3A0D191FAA}" type="datetimeFigureOut">
               <a:rPr lang="en-US" smtClean="0"/>
-              <a:t>1/4/2023</a:t>
+              <a:t>1/12/2023</a:t>
             </a:fld>
             <a:endParaRPr lang="en-US"/>
           </a:p>
@@ -809,7 +810,7 @@
           <a:p>
             <a:fld id="{9E553798-14CE-4550-8813-D86F14865C4E}" type="datetime1">
               <a:rPr lang="en-US" smtClean="0"/>
-              <a:t>1/4/2023</a:t>
+              <a:t>1/12/2023</a:t>
             </a:fld>
             <a:endParaRPr lang="en-US"/>
           </a:p>
@@ -1897,7 +1898,7 @@
           <a:p>
             <a:fld id="{816D797E-A339-42D2-8ED6-30565FFD366F}" type="datetime1">
               <a:rPr lang="en-US" smtClean="0"/>
-              <a:t>1/4/2023</a:t>
+              <a:t>1/12/2023</a:t>
             </a:fld>
             <a:endParaRPr lang="en-US"/>
           </a:p>
@@ -2877,7 +2878,7 @@
           <a:p>
             <a:fld id="{904724C8-F7BF-48B1-BEED-BBB688CECFBC}" type="datetime1">
               <a:rPr lang="en-US" smtClean="0"/>
-              <a:t>1/4/2023</a:t>
+              <a:t>1/12/2023</a:t>
             </a:fld>
             <a:endParaRPr lang="en-US"/>
           </a:p>
@@ -4011,7 +4012,7 @@
           <a:p>
             <a:fld id="{02B3D0DA-2D35-448A-8645-FB73DD99DAB3}" type="datetime1">
               <a:rPr lang="en-US" smtClean="0"/>
-              <a:t>1/4/2023</a:t>
+              <a:t>1/12/2023</a:t>
             </a:fld>
             <a:endParaRPr lang="en-US"/>
           </a:p>
@@ -5044,7 +5045,7 @@
           <a:p>
             <a:fld id="{F3542A9A-6593-45E6-9125-5EA35E466C7C}" type="datetime1">
               <a:rPr lang="en-US" smtClean="0"/>
-              <a:t>1/4/2023</a:t>
+              <a:t>1/12/2023</a:t>
             </a:fld>
             <a:endParaRPr lang="en-US"/>
           </a:p>
@@ -5704,7 +5705,7 @@
           <a:p>
             <a:fld id="{027942AE-5959-455F-A40C-158E52DE76CD}" type="datetime1">
               <a:rPr lang="en-US" smtClean="0"/>
-              <a:t>1/4/2023</a:t>
+              <a:t>1/12/2023</a:t>
             </a:fld>
             <a:endParaRPr lang="en-US"/>
           </a:p>
@@ -6565,7 +6566,7 @@
           <a:p>
             <a:fld id="{9DA71069-F5A2-4F26-947A-5D2E812BE33E}" type="datetime1">
               <a:rPr lang="en-US" smtClean="0"/>
-              <a:t>1/4/2023</a:t>
+              <a:t>1/12/2023</a:t>
             </a:fld>
             <a:endParaRPr lang="en-US"/>
           </a:p>
@@ -6755,7 +6756,7 @@
           <a:p>
             <a:fld id="{CB2685BF-0B22-4210-8C2A-ADF61E7D09BB}" type="datetime1">
               <a:rPr lang="en-US" smtClean="0"/>
-              <a:t>1/4/2023</a:t>
+              <a:t>1/12/2023</a:t>
             </a:fld>
             <a:endParaRPr lang="en-US"/>
           </a:p>
@@ -7727,7 +7728,7 @@
           <a:p>
             <a:fld id="{98B27171-D720-4D37-B7DE-67D5EDFA664C}" type="datetime1">
               <a:rPr lang="en-US" smtClean="0"/>
-              <a:t>1/4/2023</a:t>
+              <a:t>1/12/2023</a:t>
             </a:fld>
             <a:endParaRPr lang="en-US"/>
           </a:p>
@@ -7938,7 +7939,7 @@
           <a:p>
             <a:fld id="{5BAFC56E-2BFD-4605-81C8-E6C849B30B90}" type="datetime1">
               <a:rPr lang="en-US" smtClean="0"/>
-              <a:t>1/4/2023</a:t>
+              <a:t>1/12/2023</a:t>
             </a:fld>
             <a:endParaRPr lang="en-US"/>
           </a:p>
@@ -8972,7 +8973,7 @@
           <a:p>
             <a:fld id="{48B5106C-8E1F-48F4-BF36-4B0B595D1077}" type="datetime1">
               <a:rPr lang="en-US" smtClean="0"/>
-              <a:t>1/4/2023</a:t>
+              <a:t>1/12/2023</a:t>
             </a:fld>
             <a:endParaRPr lang="en-US"/>
           </a:p>
@@ -9244,7 +9245,7 @@
           <a:p>
             <a:fld id="{205DAECD-BF28-4F23-B39C-75BE8BBEF0EE}" type="datetime1">
               <a:rPr lang="en-US" smtClean="0"/>
-              <a:t>1/4/2023</a:t>
+              <a:t>1/12/2023</a:t>
             </a:fld>
             <a:endParaRPr lang="en-US"/>
           </a:p>
@@ -9654,7 +9655,7 @@
           <a:p>
             <a:fld id="{51836610-B0EF-4A11-A972-0780DCB40E15}" type="datetime1">
               <a:rPr lang="en-US" smtClean="0"/>
-              <a:t>1/4/2023</a:t>
+              <a:t>1/12/2023</a:t>
             </a:fld>
             <a:endParaRPr lang="en-US"/>
           </a:p>
@@ -9781,7 +9782,7 @@
           <a:p>
             <a:fld id="{3144454F-5722-4D1D-AA05-43AB19C92C21}" type="datetime1">
               <a:rPr lang="en-US" smtClean="0"/>
-              <a:t>1/4/2023</a:t>
+              <a:t>1/12/2023</a:t>
             </a:fld>
             <a:endParaRPr lang="en-US"/>
           </a:p>
@@ -9876,7 +9877,7 @@
           <a:p>
             <a:fld id="{F7A55104-61F5-4E54-A34A-000F0D5D5098}" type="datetime1">
               <a:rPr lang="en-US" smtClean="0"/>
-              <a:t>1/4/2023</a:t>
+              <a:t>1/12/2023</a:t>
             </a:fld>
             <a:endParaRPr lang="en-US"/>
           </a:p>
@@ -10957,7 +10958,7 @@
           <a:p>
             <a:fld id="{45627224-0FCA-4507-8424-CAD024E6C227}" type="datetime1">
               <a:rPr lang="en-US" smtClean="0"/>
-              <a:t>1/4/2023</a:t>
+              <a:t>1/12/2023</a:t>
             </a:fld>
             <a:endParaRPr lang="en-US"/>
           </a:p>
@@ -12065,7 +12066,7 @@
           <a:p>
             <a:fld id="{E1931B3A-1C5F-40DC-A9CB-4EE6F838E16B}" type="datetime1">
               <a:rPr lang="en-US" smtClean="0"/>
-              <a:t>1/4/2023</a:t>
+              <a:t>1/12/2023</a:t>
             </a:fld>
             <a:endParaRPr lang="en-US"/>
           </a:p>
@@ -13062,7 +13063,7 @@
           <a:p>
             <a:fld id="{49F42FE7-B2E3-4DC4-904A-0F59185BFACE}" type="datetime1">
               <a:rPr lang="en-US" smtClean="0"/>
-              <a:t>1/4/2023</a:t>
+              <a:t>1/12/2023</a:t>
             </a:fld>
             <a:endParaRPr lang="en-US"/>
           </a:p>
@@ -13781,7 +13782,7 @@
         <p:spPr/>
         <p:txBody>
           <a:bodyPr>
-            <a:normAutofit fontScale="92500"/>
+            <a:normAutofit lnSpcReduction="10000"/>
           </a:bodyPr>
           <a:lstStyle/>
           <a:p>
@@ -13799,21 +13800,19 @@
           <a:p>
             <a:r>
               <a:rPr lang="en-US" dirty="0"/>
-              <a:t>Java has everything a developer needs to develop an application and gives the developer the freedom to choose which tool to use, however, it can become confusing to choose among a long list of available tools and they are scattered everywhere. No single organization manages the available tools for each </a:t>
+              <a:t>Java has everything a developer needs to develop an application and gives the developer the freedom to choose which tool to use, however, it can become confusing to choose among a long list of available tools and they are scattered everywhere. No single organization manages the available tools for each requirement. </a:t>
             </a:r>
-            <a:r>
-              <a:rPr lang="en-US"/>
-              <a:t>requirement. </a:t>
-            </a:r>
-          </a:p>
-          <a:p>
-            <a:r>
-              <a:rPr lang="en-US"/>
-              <a:t>Details </a:t>
-            </a:r>
+          </a:p>
+          <a:p>
             <a:r>
               <a:rPr lang="en-US" dirty="0"/>
-              <a:t>like syntax differences should not matter to a developer unless they’re convinced that, for example, the lack of a specific feature blocks or causes significant inconvenience in the process of meeting the business requirements.</a:t>
+              <a:t>Setting up Spring is the easiest, then .NET and then JakartaEE</a:t>
+            </a:r>
+          </a:p>
+          <a:p>
+            <a:r>
+              <a:rPr lang="en-US" dirty="0"/>
+              <a:t>Spring and .NET have in memory database which makes it much easier to quickly set up a new project</a:t>
             </a:r>
           </a:p>
         </p:txBody>
@@ -13882,6 +13881,153 @@
           <p:cNvPr id="2" name="Title 1">
             <a:extLst>
               <a:ext uri="{FF2B5EF4-FFF2-40B4-BE49-F238E27FC236}">
+                <a16:creationId xmlns:a16="http://schemas.microsoft.com/office/drawing/2014/main" id="{A9A275E8-0AD2-DCA5-D872-AF138D5C604A}"/>
+              </a:ext>
+            </a:extLst>
+          </p:cNvPr>
+          <p:cNvSpPr>
+            <a:spLocks noGrp="1"/>
+          </p:cNvSpPr>
+          <p:nvPr>
+            <p:ph type="title"/>
+          </p:nvPr>
+        </p:nvSpPr>
+        <p:spPr/>
+        <p:txBody>
+          <a:bodyPr/>
+          <a:lstStyle/>
+          <a:p>
+            <a:r>
+              <a:rPr lang="en-US" dirty="0"/>
+              <a:t>Conclusion contd.</a:t>
+            </a:r>
+          </a:p>
+        </p:txBody>
+      </p:sp>
+      <p:sp>
+        <p:nvSpPr>
+          <p:cNvPr id="3" name="Content Placeholder 2">
+            <a:extLst>
+              <a:ext uri="{FF2B5EF4-FFF2-40B4-BE49-F238E27FC236}">
+                <a16:creationId xmlns:a16="http://schemas.microsoft.com/office/drawing/2014/main" id="{BB946BF2-4A08-91D2-42E1-7B2469734318}"/>
+              </a:ext>
+            </a:extLst>
+          </p:cNvPr>
+          <p:cNvSpPr>
+            <a:spLocks noGrp="1"/>
+          </p:cNvSpPr>
+          <p:nvPr>
+            <p:ph idx="1"/>
+          </p:nvPr>
+        </p:nvSpPr>
+        <p:spPr/>
+        <p:txBody>
+          <a:bodyPr>
+            <a:normAutofit fontScale="85000" lnSpcReduction="10000"/>
+          </a:bodyPr>
+          <a:lstStyle/>
+          <a:p>
+            <a:r>
+              <a:rPr lang="en-US" dirty="0"/>
+              <a:t>JakartaEE needs significantly more effort to set up than Spring and .NET</a:t>
+            </a:r>
+          </a:p>
+          <a:p>
+            <a:r>
+              <a:rPr lang="en-US" dirty="0"/>
+              <a:t>.NET needs gigabytes of data to be downloaded for the first time of using each template which also takes about half an hour to complete the set up (depending on the internet speed and the computer’s power)</a:t>
+            </a:r>
+          </a:p>
+          <a:p>
+            <a:r>
+              <a:rPr lang="en-US" dirty="0"/>
+              <a:t>Final project configuration heavily depends on the design of the application but I believe, Spring Boot will be easiest, then .NET and JakartaEE would be most complicated almost the same (as it can have multiple subprojects, each require different configuration etc.)</a:t>
+            </a:r>
+          </a:p>
+          <a:p>
+            <a:r>
+              <a:rPr lang="en-US" dirty="0"/>
+              <a:t>The efforts needed to maintain the application almost completely depends on the design but Spring is less likely to become unmanageable</a:t>
+            </a:r>
+          </a:p>
+          <a:p>
+            <a:r>
+              <a:rPr lang="en-US" dirty="0"/>
+              <a:t>Details like syntax differences should not matter to a developer unless they’re convinced that, for example, the lack of a specific feature blocks or causes significant inconvenience in the process of meeting the business requirements.</a:t>
+            </a:r>
+          </a:p>
+          <a:p>
+            <a:r>
+              <a:rPr lang="en-US" dirty="0"/>
+              <a:t>The end user should not feel any difference when using the product</a:t>
+            </a:r>
+          </a:p>
+        </p:txBody>
+      </p:sp>
+      <p:sp>
+        <p:nvSpPr>
+          <p:cNvPr id="4" name="Slide Number Placeholder 3">
+            <a:extLst>
+              <a:ext uri="{FF2B5EF4-FFF2-40B4-BE49-F238E27FC236}">
+                <a16:creationId xmlns:a16="http://schemas.microsoft.com/office/drawing/2014/main" id="{9E136F93-D81D-9432-77B8-E77C68CF341A}"/>
+              </a:ext>
+            </a:extLst>
+          </p:cNvPr>
+          <p:cNvSpPr>
+            <a:spLocks noGrp="1"/>
+          </p:cNvSpPr>
+          <p:nvPr>
+            <p:ph type="sldNum" sz="quarter" idx="12"/>
+          </p:nvPr>
+        </p:nvSpPr>
+        <p:spPr/>
+        <p:txBody>
+          <a:bodyPr/>
+          <a:lstStyle/>
+          <a:p>
+            <a:fld id="{711404B9-AD00-41C4-967D-1C4F56274402}" type="slidenum">
+              <a:rPr lang="en-US" smtClean="0"/>
+              <a:t>11</a:t>
+            </a:fld>
+            <a:endParaRPr lang="en-US"/>
+          </a:p>
+        </p:txBody>
+      </p:sp>
+    </p:spTree>
+    <p:extLst>
+      <p:ext uri="{BB962C8B-B14F-4D97-AF65-F5344CB8AC3E}">
+        <p14:creationId xmlns:p14="http://schemas.microsoft.com/office/powerpoint/2010/main" val="4161677345"/>
+      </p:ext>
+    </p:extLst>
+  </p:cSld>
+  <p:clrMapOvr>
+    <a:masterClrMapping/>
+  </p:clrMapOvr>
+</p:sld>
+</file>
+
+<file path=ppt/slides/slide12.xml><?xml version="1.0" encoding="utf-8"?>
+<p:sld xmlns:a="http://schemas.openxmlformats.org/drawingml/2006/main" xmlns:r="http://schemas.openxmlformats.org/officeDocument/2006/relationships" xmlns:p="http://schemas.openxmlformats.org/presentationml/2006/main">
+  <p:cSld>
+    <p:spTree>
+      <p:nvGrpSpPr>
+        <p:cNvPr id="1" name=""/>
+        <p:cNvGrpSpPr/>
+        <p:nvPr/>
+      </p:nvGrpSpPr>
+      <p:grpSpPr>
+        <a:xfrm>
+          <a:off x="0" y="0"/>
+          <a:ext cx="0" cy="0"/>
+          <a:chOff x="0" y="0"/>
+          <a:chExt cx="0" cy="0"/>
+        </a:xfrm>
+      </p:grpSpPr>
+      <p:sp>
+        <p:nvSpPr>
+          <p:cNvPr id="2" name="Title 1">
+            <a:extLst>
+              <a:ext uri="{FF2B5EF4-FFF2-40B4-BE49-F238E27FC236}">
                 <a16:creationId xmlns:a16="http://schemas.microsoft.com/office/drawing/2014/main" id="{7806939D-1BA0-B3F0-0BC3-9B6E11CF5ADE}"/>
               </a:ext>
             </a:extLst>
@@ -14024,13 +14170,7 @@
               <a:rPr lang="en-US" dirty="0">
                 <a:hlinkClick r:id="rId10"/>
               </a:rPr>
-              <a:t>https://learn.microsoft.com/en-us/aspnet/core/tutorials/first-web-api?view=aspnetcore-7.0&amp;tabs</a:t>
-            </a:r>
-            <a:r>
-              <a:rPr lang="en-US">
-                <a:hlinkClick r:id="rId10"/>
-              </a:rPr>
-              <a:t>=visual-studio</a:t>
+              <a:t>https://learn.microsoft.com/en-us/aspnet/core/tutorials/first-web-api?view=aspnetcore-7.0&amp;tabs=visual-studio</a:t>
             </a:r>
             <a:endParaRPr lang="en-US" dirty="0"/>
           </a:p>
@@ -14086,6 +14226,16 @@
                 <a:hlinkClick r:id="rId14"/>
               </a:rPr>
               <a:t>https://www.geeksforgeeks.org/difference-between-jit-and-jvm-in-java/</a:t>
+            </a:r>
+            <a:endParaRPr lang="en-US" dirty="0"/>
+          </a:p>
+          <a:p>
+            <a:pPr lvl="1"/>
+            <a:r>
+              <a:rPr lang="en-US" dirty="0">
+                <a:hlinkClick r:id="rId15"/>
+              </a:rPr>
+              <a:t>https://www.youtube.com/@PayaraFish</a:t>
             </a:r>
             <a:endParaRPr lang="en-US" dirty="0"/>
           </a:p>
@@ -14114,7 +14264,7 @@
           <a:p>
             <a:fld id="{711404B9-AD00-41C4-967D-1C4F56274402}" type="slidenum">
               <a:rPr lang="en-US" smtClean="0"/>
-              <a:t>11</a:t>
+              <a:t>12</a:t>
             </a:fld>
             <a:endParaRPr lang="en-US"/>
           </a:p>
@@ -14440,6 +14590,14 @@
   <p:clrMapOvr>
     <a:masterClrMapping/>
   </p:clrMapOvr>
+  <mc:AlternateContent xmlns:mc="http://schemas.openxmlformats.org/markup-compatibility/2006">
+    <mc:Choice xmlns:p14="http://schemas.microsoft.com/office/powerpoint/2010/main" Requires="p14">
+      <p:transition spd="slow" p14:dur="2000" advClick="0"/>
+    </mc:Choice>
+    <mc:Fallback>
+      <p:transition spd="slow" advClick="0"/>
+    </mc:Fallback>
+  </mc:AlternateContent>
 </p:sld>
 </file>
 
@@ -14802,14 +14960,14 @@
             <p:ph idx="1"/>
             <p:extLst>
               <p:ext uri="{D42A27DB-BD31-4B8C-83A1-F6EECF244321}">
-                <p14:modId xmlns:p14="http://schemas.microsoft.com/office/powerpoint/2010/main" val="1428744789"/>
+                <p14:modId xmlns:p14="http://schemas.microsoft.com/office/powerpoint/2010/main" val="1395750310"/>
               </p:ext>
             </p:extLst>
           </p:nvPr>
         </p:nvGraphicFramePr>
         <p:xfrm>
           <a:off x="838200" y="2426131"/>
-          <a:ext cx="10515600" cy="4221480"/>
+          <a:ext cx="10515600" cy="4038600"/>
         </p:xfrm>
         <a:graphic>
           <a:graphicData uri="http://schemas.openxmlformats.org/drawingml/2006/table">
@@ -14846,7 +15004,7 @@
                     <a:bodyPr/>
                     <a:lstStyle/>
                     <a:p>
-                      <a:endParaRPr lang="en-US" dirty="0"/>
+                      <a:endParaRPr lang="en-US" sz="1400" dirty="0"/>
                     </a:p>
                   </a:txBody>
                   <a:tcPr/>
@@ -14857,7 +15015,7 @@
                     <a:lstStyle/>
                     <a:p>
                       <a:r>
-                        <a:rPr lang="en-US" dirty="0"/>
+                        <a:rPr lang="en-US" sz="1400" dirty="0"/>
                         <a:t>.NET</a:t>
                       </a:r>
                     </a:p>
@@ -14870,7 +15028,7 @@
                     <a:lstStyle/>
                     <a:p>
                       <a:r>
-                        <a:rPr lang="en-US" dirty="0"/>
+                        <a:rPr lang="en-US" sz="1400" dirty="0"/>
                         <a:t>Java</a:t>
                       </a:r>
                     </a:p>
@@ -14890,7 +15048,7 @@
                     <a:lstStyle/>
                     <a:p>
                       <a:r>
-                        <a:rPr lang="en-US" dirty="0"/>
+                        <a:rPr lang="en-US" sz="1400" dirty="0"/>
                         <a:t>Can run standalone?</a:t>
                       </a:r>
                     </a:p>
@@ -14903,7 +15061,7 @@
                     <a:lstStyle/>
                     <a:p>
                       <a:r>
-                        <a:rPr lang="en-US" dirty="0"/>
+                        <a:rPr lang="en-US" sz="1400" dirty="0"/>
                         <a:t>Yes with a class containing a Main method</a:t>
                       </a:r>
                     </a:p>
@@ -14933,7 +15091,7 @@
                         <a:defRPr/>
                       </a:pPr>
                       <a:r>
-                        <a:rPr lang="en-US" dirty="0"/>
+                        <a:rPr lang="en-US" sz="1400" dirty="0"/>
                         <a:t>Java can with a class containing a main method</a:t>
                       </a:r>
                     </a:p>
@@ -14956,7 +15114,7 @@
                         <a:defRPr/>
                       </a:pPr>
                       <a:r>
-                        <a:rPr lang="en-US" dirty="0"/>
+                        <a:rPr lang="en-US" sz="1400" dirty="0"/>
                         <a:t>JakartaEE needs a separate Runtime</a:t>
                       </a:r>
                     </a:p>
@@ -14976,7 +15134,7 @@
                     <a:lstStyle/>
                     <a:p>
                       <a:r>
-                        <a:rPr lang="en-US" dirty="0"/>
+                        <a:rPr lang="en-US" sz="1400" dirty="0"/>
                         <a:t>Web Server</a:t>
                       </a:r>
                     </a:p>
@@ -14989,7 +15147,7 @@
                     <a:lstStyle/>
                     <a:p>
                       <a:r>
-                        <a:rPr lang="en-US" dirty="0"/>
+                        <a:rPr lang="en-US" sz="1400" dirty="0"/>
                         <a:t>IIS </a:t>
                       </a:r>
                     </a:p>
@@ -15002,7 +15160,7 @@
                     <a:lstStyle/>
                     <a:p>
                       <a:r>
-                        <a:rPr lang="en-US" dirty="0"/>
+                        <a:rPr lang="en-US" sz="1400" dirty="0"/>
                         <a:t>Apache Tomcat, WebLogic, WebSphere, etc.</a:t>
                       </a:r>
                     </a:p>
@@ -15022,7 +15180,7 @@
                     <a:lstStyle/>
                     <a:p>
                       <a:r>
-                        <a:rPr lang="en-US" dirty="0"/>
+                        <a:rPr lang="en-US" sz="1400" dirty="0"/>
                         <a:t>Runtime</a:t>
                       </a:r>
                     </a:p>
@@ -15035,7 +15193,7 @@
                     <a:lstStyle/>
                     <a:p>
                       <a:r>
-                        <a:rPr lang="en-US" dirty="0"/>
+                        <a:rPr lang="en-US" sz="1400" dirty="0"/>
                         <a:t>N/A</a:t>
                       </a:r>
                     </a:p>
@@ -15048,7 +15206,7 @@
                     <a:lstStyle/>
                     <a:p>
                       <a:r>
-                        <a:rPr lang="en-US" dirty="0"/>
+                        <a:rPr lang="en-US" sz="1400" dirty="0"/>
                         <a:t>TomEE, WebLogic, Glassfish</a:t>
                       </a:r>
                     </a:p>
@@ -15068,7 +15226,7 @@
                     <a:lstStyle/>
                     <a:p>
                       <a:r>
-                        <a:rPr lang="en-US" dirty="0"/>
+                        <a:rPr lang="en-US" sz="1400" dirty="0"/>
                         <a:t>Executable Translator (Virtual Machine)</a:t>
                       </a:r>
                     </a:p>
@@ -15098,7 +15256,7 @@
                         <a:defRPr/>
                       </a:pPr>
                       <a:r>
-                        <a:rPr lang="en-US" dirty="0"/>
+                        <a:rPr lang="en-US" sz="1400" dirty="0"/>
                         <a:t>CLR</a:t>
                       </a:r>
                     </a:p>
@@ -15111,7 +15269,7 @@
                     <a:lstStyle/>
                     <a:p>
                       <a:r>
-                        <a:rPr lang="en-US" dirty="0"/>
+                        <a:rPr lang="en-US" sz="1400" dirty="0"/>
                         <a:t>JVM</a:t>
                       </a:r>
                     </a:p>
@@ -15131,7 +15289,7 @@
                     <a:lstStyle/>
                     <a:p>
                       <a:r>
-                        <a:rPr lang="en-US" dirty="0"/>
+                        <a:rPr lang="en-US" sz="1400" dirty="0"/>
                         <a:t>Multi-language support</a:t>
                       </a:r>
                     </a:p>
@@ -15144,7 +15302,7 @@
                     <a:lstStyle/>
                     <a:p>
                       <a:r>
-                        <a:rPr lang="en-US" dirty="0"/>
+                        <a:rPr lang="en-US" sz="1400" dirty="0"/>
                         <a:t>Yes (C#.NET,F.NET,ASP.NET,…)</a:t>
                       </a:r>
                     </a:p>
@@ -15157,8 +15315,8 @@
                     <a:lstStyle/>
                     <a:p>
                       <a:r>
-                        <a:rPr lang="en-US" dirty="0"/>
-                        <a:t>No </a:t>
+                        <a:rPr lang="en-US" sz="1400" dirty="0"/>
+                        <a:t>Yes (Java, Kotlin, Scala,…) </a:t>
                       </a:r>
                     </a:p>
                   </a:txBody>
@@ -15177,7 +15335,7 @@
                     <a:lstStyle/>
                     <a:p>
                       <a:r>
-                        <a:rPr lang="en-US" dirty="0"/>
+                        <a:rPr lang="en-US" sz="1400" dirty="0"/>
                         <a:t>Maintained by</a:t>
                       </a:r>
                     </a:p>
@@ -15190,7 +15348,7 @@
                     <a:lstStyle/>
                     <a:p>
                       <a:r>
-                        <a:rPr lang="en-US" dirty="0"/>
+                        <a:rPr lang="en-US" sz="1400" dirty="0"/>
                         <a:t>Microsoft</a:t>
                       </a:r>
                     </a:p>
@@ -15203,8 +15361,21 @@
                     <a:lstStyle/>
                     <a:p>
                       <a:r>
-                        <a:rPr lang="en-US" dirty="0"/>
+                        <a:rPr lang="en-US" sz="1400" dirty="0"/>
                         <a:t>Oracle under Java Community Process (JCP)</a:t>
+                      </a:r>
+                    </a:p>
+                    <a:p>
+                      <a:r>
+                        <a:rPr lang="en-US" sz="1400" dirty="0"/>
+                        <a:t>JakartaEE by Eclipse Foundation</a:t>
+                      </a:r>
+                      <a:br>
+                        <a:rPr lang="en-US" sz="1400" dirty="0"/>
+                      </a:br>
+                      <a:r>
+                        <a:rPr lang="en-US" sz="1400" dirty="0"/>
+                        <a:t>Spring by Pivotal Software </a:t>
                       </a:r>
                     </a:p>
                   </a:txBody>
@@ -15954,6 +16125,14 @@
   <p:clrMapOvr>
     <a:masterClrMapping/>
   </p:clrMapOvr>
+  <mc:AlternateContent xmlns:mc="http://schemas.openxmlformats.org/markup-compatibility/2006">
+    <mc:Choice xmlns:p14="http://schemas.microsoft.com/office/powerpoint/2010/main" Requires="p14">
+      <p:transition spd="slow" p14:dur="2000" advClick="0"/>
+    </mc:Choice>
+    <mc:Fallback>
+      <p:transition spd="slow" advClick="0"/>
+    </mc:Fallback>
+  </mc:AlternateContent>
 </p:sld>
 </file>
 
@@ -16617,6 +16796,14 @@
   <p:clrMapOvr>
     <a:masterClrMapping/>
   </p:clrMapOvr>
+  <mc:AlternateContent xmlns:mc="http://schemas.openxmlformats.org/markup-compatibility/2006">
+    <mc:Choice xmlns:p14="http://schemas.microsoft.com/office/powerpoint/2010/main" Requires="p14">
+      <p:transition spd="slow" p14:dur="2000" advClick="0"/>
+    </mc:Choice>
+    <mc:Fallback>
+      <p:transition spd="slow" advClick="0"/>
+    </mc:Fallback>
+  </mc:AlternateContent>
 </p:sld>
 </file>
 
@@ -16743,13 +16930,6 @@
             <a:r>
               <a:rPr lang="en-US" sz="1400" dirty="0"/>
               <a:t>.NET Core</a:t>
-            </a:r>
-            <a:br>
-              <a:rPr lang="en-US" sz="1400" dirty="0"/>
-            </a:br>
-            <a:r>
-              <a:rPr lang="en-US" sz="1400" dirty="0"/>
-              <a:t>(SDK)</a:t>
             </a:r>
           </a:p>
         </p:txBody>
@@ -17275,8 +17455,8 @@
         </p:nvSpPr>
         <p:spPr>
           <a:xfrm>
-            <a:off x="6835694" y="2492702"/>
-            <a:ext cx="1554568" cy="936298"/>
+            <a:off x="6835694" y="2670800"/>
+            <a:ext cx="1258864" cy="758199"/>
           </a:xfrm>
           <a:prstGeom prst="ellipse">
             <a:avLst/>
@@ -17307,28 +17487,6 @@
               <a:rPr lang="en-US" sz="1400" dirty="0"/>
               <a:t>Java SE</a:t>
             </a:r>
-            <a:br>
-              <a:rPr lang="en-US" sz="1400" dirty="0"/>
-            </a:br>
-            <a:r>
-              <a:rPr lang="en-US" sz="1400" dirty="0"/>
-              <a:t>(JDK</a:t>
-            </a:r>
-            <a:r>
-              <a:rPr lang="en-US" sz="1400" dirty="0">
-                <a:solidFill>
-                  <a:schemeClr val="accent2">
-                    <a:lumMod val="40000"/>
-                    <a:lumOff val="60000"/>
-                  </a:schemeClr>
-                </a:solidFill>
-              </a:rPr>
-              <a:t>&amp;JRE</a:t>
-            </a:r>
-            <a:r>
-              <a:rPr lang="en-US" sz="1400" dirty="0"/>
-              <a:t>)</a:t>
-            </a:r>
           </a:p>
         </p:txBody>
       </p:sp>
@@ -17346,8 +17504,8 @@
         </p:nvSpPr>
         <p:spPr>
           <a:xfrm>
-            <a:off x="8390262" y="3193565"/>
-            <a:ext cx="1554568" cy="936298"/>
+            <a:off x="8024633" y="3325935"/>
+            <a:ext cx="1296703" cy="780989"/>
           </a:xfrm>
           <a:prstGeom prst="ellipse">
             <a:avLst/>
@@ -17376,14 +17534,7 @@
             <a:pPr algn="ctr"/>
             <a:r>
               <a:rPr lang="en-US" sz="1200" dirty="0"/>
-              <a:t>JavaEE</a:t>
-            </a:r>
-            <a:br>
-              <a:rPr lang="en-US" sz="1200" dirty="0"/>
-            </a:br>
-            <a:r>
-              <a:rPr lang="en-US" sz="1200" dirty="0"/>
-              <a:t>(JakartaEE)</a:t>
+              <a:t>JakartaEE</a:t>
             </a:r>
           </a:p>
         </p:txBody>
@@ -17532,8 +17683,8 @@
         </p:nvCxnSpPr>
         <p:spPr>
           <a:xfrm flipV="1">
-            <a:off x="6658270" y="3291882"/>
-            <a:ext cx="405085" cy="204710"/>
+            <a:off x="6658270" y="3317963"/>
+            <a:ext cx="361780" cy="178629"/>
           </a:xfrm>
           <a:prstGeom prst="straightConnector1">
             <a:avLst/>
@@ -17576,7 +17727,7 @@
         <p:spPr>
           <a:xfrm>
             <a:off x="6549733" y="2800903"/>
-            <a:ext cx="285961" cy="159948"/>
+            <a:ext cx="285961" cy="248997"/>
           </a:xfrm>
           <a:prstGeom prst="straightConnector1">
             <a:avLst/>
@@ -17618,8 +17769,8 @@
         </p:nvCxnSpPr>
         <p:spPr>
           <a:xfrm flipH="1" flipV="1">
-            <a:off x="8162601" y="3291882"/>
-            <a:ext cx="227661" cy="369832"/>
+            <a:off x="7910202" y="3317963"/>
+            <a:ext cx="114431" cy="398467"/>
           </a:xfrm>
           <a:prstGeom prst="straightConnector1">
             <a:avLst/>
@@ -17980,8 +18131,8 @@
         </p:nvSpPr>
         <p:spPr>
           <a:xfrm>
-            <a:off x="9771353" y="2475090"/>
-            <a:ext cx="1554568" cy="936298"/>
+            <a:off x="9837493" y="3167605"/>
+            <a:ext cx="1419386" cy="854879"/>
           </a:xfrm>
           <a:prstGeom prst="ellipse">
             <a:avLst/>
@@ -18026,15 +18177,15 @@
           </p:cNvPr>
           <p:cNvCxnSpPr>
             <a:cxnSpLocks/>
-            <a:stCxn id="35" idx="7"/>
+            <a:stCxn id="35" idx="6"/>
             <a:endCxn id="63" idx="2"/>
           </p:cNvCxnSpPr>
           <p:nvPr/>
         </p:nvCxnSpPr>
         <p:spPr>
           <a:xfrm flipV="1">
-            <a:off x="9717169" y="2943239"/>
-            <a:ext cx="54184" cy="387444"/>
+            <a:off x="9321336" y="3595045"/>
+            <a:ext cx="516157" cy="121385"/>
           </a:xfrm>
           <a:prstGeom prst="straightConnector1">
             <a:avLst/>
@@ -18179,6 +18330,168 @@
           </a:p>
         </p:txBody>
       </p:sp>
+      <p:sp>
+        <p:nvSpPr>
+          <p:cNvPr id="25" name="Oval 24">
+            <a:extLst>
+              <a:ext uri="{FF2B5EF4-FFF2-40B4-BE49-F238E27FC236}">
+                <a16:creationId xmlns:a16="http://schemas.microsoft.com/office/drawing/2014/main" id="{5F09C1B7-2AAD-584B-49DC-3DBBB542EEA9}"/>
+              </a:ext>
+            </a:extLst>
+          </p:cNvPr>
+          <p:cNvSpPr/>
+          <p:nvPr/>
+        </p:nvSpPr>
+        <p:spPr>
+          <a:xfrm>
+            <a:off x="8578629" y="2371502"/>
+            <a:ext cx="1296703" cy="780989"/>
+          </a:xfrm>
+          <a:prstGeom prst="ellipse">
+            <a:avLst/>
+          </a:prstGeom>
+          <a:solidFill>
+            <a:schemeClr val="accent5">
+              <a:lumMod val="75000"/>
+            </a:schemeClr>
+          </a:solidFill>
+          <a:ln>
+            <a:solidFill>
+              <a:schemeClr val="accent5">
+                <a:lumMod val="50000"/>
+              </a:schemeClr>
+            </a:solidFill>
+          </a:ln>
+        </p:spPr>
+        <p:style>
+          <a:lnRef idx="2">
+            <a:schemeClr val="accent1">
+              <a:shade val="50000"/>
+            </a:schemeClr>
+          </a:lnRef>
+          <a:fillRef idx="1">
+            <a:schemeClr val="accent1"/>
+          </a:fillRef>
+          <a:effectRef idx="0">
+            <a:schemeClr val="accent1"/>
+          </a:effectRef>
+          <a:fontRef idx="minor">
+            <a:schemeClr val="lt1"/>
+          </a:fontRef>
+        </p:style>
+        <p:txBody>
+          <a:bodyPr rtlCol="0" anchor="ctr"/>
+          <a:lstStyle/>
+          <a:p>
+            <a:pPr algn="ctr"/>
+            <a:r>
+              <a:rPr lang="en-US" sz="1600" dirty="0"/>
+              <a:t>Spring</a:t>
+            </a:r>
+            <a:endParaRPr lang="en-US" sz="1200" dirty="0"/>
+          </a:p>
+        </p:txBody>
+      </p:sp>
+      <p:cxnSp>
+        <p:nvCxnSpPr>
+          <p:cNvPr id="26" name="Straight Arrow Connector 25">
+            <a:extLst>
+              <a:ext uri="{FF2B5EF4-FFF2-40B4-BE49-F238E27FC236}">
+                <a16:creationId xmlns:a16="http://schemas.microsoft.com/office/drawing/2014/main" id="{F00E6A4B-98B2-BAE1-F6C7-4310BDCB4778}"/>
+              </a:ext>
+            </a:extLst>
+          </p:cNvPr>
+          <p:cNvCxnSpPr>
+            <a:cxnSpLocks/>
+            <a:stCxn id="25" idx="2"/>
+            <a:endCxn id="34" idx="6"/>
+          </p:cNvCxnSpPr>
+          <p:nvPr/>
+        </p:nvCxnSpPr>
+        <p:spPr>
+          <a:xfrm flipH="1">
+            <a:off x="8094558" y="2761997"/>
+            <a:ext cx="484071" cy="287903"/>
+          </a:xfrm>
+          <a:prstGeom prst="straightConnector1">
+            <a:avLst/>
+          </a:prstGeom>
+          <a:ln>
+            <a:solidFill>
+              <a:schemeClr val="accent5">
+                <a:lumMod val="75000"/>
+              </a:schemeClr>
+            </a:solidFill>
+            <a:tailEnd type="triangle"/>
+          </a:ln>
+        </p:spPr>
+        <p:style>
+          <a:lnRef idx="1">
+            <a:schemeClr val="accent1"/>
+          </a:lnRef>
+          <a:fillRef idx="0">
+            <a:schemeClr val="accent1"/>
+          </a:fillRef>
+          <a:effectRef idx="0">
+            <a:schemeClr val="accent1"/>
+          </a:effectRef>
+          <a:fontRef idx="minor">
+            <a:schemeClr val="tx1"/>
+          </a:fontRef>
+        </p:style>
+      </p:cxnSp>
+      <p:cxnSp>
+        <p:nvCxnSpPr>
+          <p:cNvPr id="30" name="Straight Arrow Connector 29">
+            <a:extLst>
+              <a:ext uri="{FF2B5EF4-FFF2-40B4-BE49-F238E27FC236}">
+                <a16:creationId xmlns:a16="http://schemas.microsoft.com/office/drawing/2014/main" id="{698D53D3-F872-D27A-58D3-20C62B0400FD}"/>
+              </a:ext>
+            </a:extLst>
+          </p:cNvPr>
+          <p:cNvCxnSpPr>
+            <a:cxnSpLocks/>
+            <a:stCxn id="25" idx="4"/>
+            <a:endCxn id="35" idx="0"/>
+          </p:cNvCxnSpPr>
+          <p:nvPr/>
+        </p:nvCxnSpPr>
+        <p:spPr>
+          <a:xfrm flipH="1">
+            <a:off x="8672985" y="3152491"/>
+            <a:ext cx="553996" cy="173444"/>
+          </a:xfrm>
+          <a:prstGeom prst="straightConnector1">
+            <a:avLst/>
+          </a:prstGeom>
+          <a:ln w="9525" cap="flat" cmpd="sng" algn="ctr">
+            <a:solidFill>
+              <a:schemeClr val="accent5">
+                <a:lumMod val="60000"/>
+                <a:lumOff val="40000"/>
+              </a:schemeClr>
+            </a:solidFill>
+            <a:prstDash val="dash"/>
+            <a:round/>
+            <a:headEnd type="none" w="med" len="med"/>
+            <a:tailEnd type="none" w="med" len="med"/>
+          </a:ln>
+        </p:spPr>
+        <p:style>
+          <a:lnRef idx="0">
+            <a:scrgbClr r="0" g="0" b="0"/>
+          </a:lnRef>
+          <a:fillRef idx="0">
+            <a:scrgbClr r="0" g="0" b="0"/>
+          </a:fillRef>
+          <a:effectRef idx="0">
+            <a:scrgbClr r="0" g="0" b="0"/>
+          </a:effectRef>
+          <a:fontRef idx="minor">
+            <a:schemeClr val="tx1"/>
+          </a:fontRef>
+        </p:style>
+      </p:cxnSp>
     </p:spTree>
     <p:extLst>
       <p:ext uri="{BB962C8B-B14F-4D97-AF65-F5344CB8AC3E}">
